--- a/part4-ML/[4차 5기] 2차 아이디어톤 강태형.pptx
+++ b/part4-ML/[4차 5기] 2차 아이디어톤 강태형.pptx
@@ -3155,7 +3155,7 @@
           <p:nvPr>
             <p:extLst>
               <p:ext uri="{D42A27DB-BD31-4B8C-83A1-F6EECF244321}">
-                <p14:modId xmlns:p14="http://schemas.microsoft.com/office/powerpoint/2010/main" val="3979790399"/>
+                <p14:modId xmlns:p14="http://schemas.microsoft.com/office/powerpoint/2010/main" val="3382152022"/>
               </p:ext>
             </p:extLst>
           </p:nvPr>
@@ -3439,7 +3439,18 @@
                           <a:latin typeface="나눔고딕" panose="020D0604000000000000" pitchFamily="50" charset="-127"/>
                           <a:ea typeface="나눔고딕" panose="020D0604000000000000" pitchFamily="50" charset="-127"/>
                         </a:rPr>
-                        <a:t>북쪽말투 따라잡기</a:t>
+                        <a:t>성경 말투 </a:t>
+                      </a:r>
+                      <a:r>
+                        <a:rPr lang="ko-KR" altLang="en-US" sz="1250" dirty="0" smtClean="0">
+                          <a:solidFill>
+                            <a:schemeClr val="tx1"/>
+                          </a:solidFill>
+                          <a:effectLst/>
+                          <a:latin typeface="나눔고딕" panose="020D0604000000000000" pitchFamily="50" charset="-127"/>
+                          <a:ea typeface="나눔고딕" panose="020D0604000000000000" pitchFamily="50" charset="-127"/>
+                        </a:rPr>
+                        <a:t>따라잡기</a:t>
                       </a:r>
                       <a:endParaRPr lang="ko-KR" sz="1250" dirty="0">
                         <a:solidFill>
@@ -3611,17 +3622,6 @@
                         <a:t> 알맞은 </a:t>
                       </a:r>
                       <a:r>
-                        <a:rPr lang="ko-KR" altLang="en-US" sz="1250" baseline="0" dirty="0" err="1" smtClean="0">
-                          <a:solidFill>
-                            <a:schemeClr val="tx1"/>
-                          </a:solidFill>
-                          <a:effectLst/>
-                          <a:latin typeface="나눔고딕" panose="020D0604000000000000" pitchFamily="50" charset="-127"/>
-                          <a:ea typeface="나눔고딕" panose="020D0604000000000000" pitchFamily="50" charset="-127"/>
-                        </a:rPr>
-                        <a:t>북한어</a:t>
-                      </a:r>
-                      <a:r>
                         <a:rPr lang="ko-KR" altLang="en-US" sz="1250" baseline="0" dirty="0" smtClean="0">
                           <a:solidFill>
                             <a:schemeClr val="tx1"/>
@@ -3630,7 +3630,62 @@
                           <a:latin typeface="나눔고딕" panose="020D0604000000000000" pitchFamily="50" charset="-127"/>
                           <a:ea typeface="나눔고딕" panose="020D0604000000000000" pitchFamily="50" charset="-127"/>
                         </a:rPr>
-                        <a:t> 표현을 제공한다</a:t>
+                        <a:t>성경 말투</a:t>
+                      </a:r>
+                      <a:r>
+                        <a:rPr lang="en-US" altLang="ko-KR" sz="1250" baseline="0" dirty="0" smtClean="0">
+                          <a:solidFill>
+                            <a:schemeClr val="tx1"/>
+                          </a:solidFill>
+                          <a:effectLst/>
+                          <a:latin typeface="나눔고딕" panose="020D0604000000000000" pitchFamily="50" charset="-127"/>
+                          <a:ea typeface="나눔고딕" panose="020D0604000000000000" pitchFamily="50" charset="-127"/>
+                        </a:rPr>
+                        <a:t>(</a:t>
+                      </a:r>
+                      <a:r>
+                        <a:rPr lang="ko-KR" altLang="en-US" sz="1250" baseline="0" dirty="0" smtClean="0">
+                          <a:solidFill>
+                            <a:schemeClr val="tx1"/>
+                          </a:solidFill>
+                          <a:effectLst/>
+                          <a:latin typeface="나눔고딕" panose="020D0604000000000000" pitchFamily="50" charset="-127"/>
+                          <a:ea typeface="나눔고딕" panose="020D0604000000000000" pitchFamily="50" charset="-127"/>
+                        </a:rPr>
+                        <a:t>고어</a:t>
+                      </a:r>
+                      <a:r>
+                        <a:rPr lang="en-US" altLang="ko-KR" sz="1250" baseline="0" dirty="0" smtClean="0">
+                          <a:solidFill>
+                            <a:schemeClr val="tx1"/>
+                          </a:solidFill>
+                          <a:effectLst/>
+                          <a:latin typeface="나눔고딕" panose="020D0604000000000000" pitchFamily="50" charset="-127"/>
+                          <a:ea typeface="나눔고딕" panose="020D0604000000000000" pitchFamily="50" charset="-127"/>
+                        </a:rPr>
+                        <a:t>)</a:t>
+                      </a:r>
+                      <a:r>
+                        <a:rPr lang="ko-KR" altLang="en-US" sz="1250" baseline="0" dirty="0" smtClean="0">
+                          <a:solidFill>
+                            <a:schemeClr val="tx1"/>
+                          </a:solidFill>
+                          <a:effectLst/>
+                          <a:latin typeface="나눔고딕" panose="020D0604000000000000" pitchFamily="50" charset="-127"/>
+                          <a:ea typeface="나눔고딕" panose="020D0604000000000000" pitchFamily="50" charset="-127"/>
+                        </a:rPr>
+                        <a:t> </a:t>
+                      </a:r>
+                      <a:r>
+                        <a:rPr lang="ko-KR" altLang="en-US" sz="1250" baseline="0" dirty="0" smtClean="0">
+                          <a:solidFill>
+                            <a:schemeClr val="tx1"/>
+                          </a:solidFill>
+                          <a:effectLst/>
+                          <a:latin typeface="나눔고딕" panose="020D0604000000000000" pitchFamily="50" charset="-127"/>
+                          <a:ea typeface="나눔고딕" panose="020D0604000000000000" pitchFamily="50" charset="-127"/>
+                        </a:rPr>
+                        <a:t>표현을 제공한다</a:t>
                       </a:r>
                       <a:r>
                         <a:rPr lang="en-US" altLang="ko-KR" sz="1250" baseline="0" dirty="0" smtClean="0">
@@ -4160,17 +4215,6 @@
                         <a:t>: </a:t>
                       </a:r>
                       <a:r>
-                        <a:rPr lang="ko-KR" altLang="en-US" sz="1250" dirty="0" err="1" smtClean="0">
-                          <a:solidFill>
-                            <a:schemeClr val="tx1"/>
-                          </a:solidFill>
-                          <a:effectLst/>
-                          <a:latin typeface="나눔고딕" panose="020D0604000000000000" pitchFamily="50" charset="-127"/>
-                          <a:ea typeface="나눔고딕" panose="020D0604000000000000" pitchFamily="50" charset="-127"/>
-                        </a:rPr>
-                        <a:t>국립국어원</a:t>
-                      </a:r>
-                      <a:r>
                         <a:rPr lang="ko-KR" altLang="en-US" sz="1250" dirty="0" smtClean="0">
                           <a:solidFill>
                             <a:schemeClr val="tx1"/>
@@ -4179,18 +4223,18 @@
                           <a:latin typeface="나눔고딕" panose="020D0604000000000000" pitchFamily="50" charset="-127"/>
                           <a:ea typeface="나눔고딕" panose="020D0604000000000000" pitchFamily="50" charset="-127"/>
                         </a:rPr>
-                        <a:t> </a:t>
-                      </a:r>
-                      <a:r>
-                        <a:rPr lang="ko-KR" altLang="en-US" sz="1250" dirty="0" err="1" smtClean="0">
-                          <a:solidFill>
-                            <a:schemeClr val="tx1"/>
-                          </a:solidFill>
-                          <a:effectLst/>
-                          <a:latin typeface="나눔고딕" panose="020D0604000000000000" pitchFamily="50" charset="-127"/>
-                          <a:ea typeface="나눔고딕" panose="020D0604000000000000" pitchFamily="50" charset="-127"/>
-                        </a:rPr>
-                        <a:t>북한어</a:t>
+                        <a:t>성경 고어 </a:t>
+                      </a:r>
+                      <a:r>
+                        <a:rPr lang="en-US" altLang="ko-KR" sz="1250" dirty="0" smtClean="0">
+                          <a:solidFill>
+                            <a:schemeClr val="tx1"/>
+                          </a:solidFill>
+                          <a:effectLst/>
+                          <a:latin typeface="나눔고딕" panose="020D0604000000000000" pitchFamily="50" charset="-127"/>
+                          <a:ea typeface="나눔고딕" panose="020D0604000000000000" pitchFamily="50" charset="-127"/>
+                        </a:rPr>
+                        <a:t>/ </a:t>
                       </a:r>
                       <a:r>
                         <a:rPr lang="ko-KR" altLang="en-US" sz="1250" dirty="0" smtClean="0">
@@ -4201,29 +4245,7 @@
                           <a:latin typeface="나눔고딕" panose="020D0604000000000000" pitchFamily="50" charset="-127"/>
                           <a:ea typeface="나눔고딕" panose="020D0604000000000000" pitchFamily="50" charset="-127"/>
                         </a:rPr>
-                        <a:t> </a:t>
-                      </a:r>
-                      <a:r>
-                        <a:rPr lang="en-US" altLang="ko-KR" sz="1250" dirty="0" smtClean="0">
-                          <a:solidFill>
-                            <a:schemeClr val="tx1"/>
-                          </a:solidFill>
-                          <a:effectLst/>
-                          <a:latin typeface="나눔고딕" panose="020D0604000000000000" pitchFamily="50" charset="-127"/>
-                          <a:ea typeface="나눔고딕" panose="020D0604000000000000" pitchFamily="50" charset="-127"/>
-                        </a:rPr>
-                        <a:t>/ </a:t>
-                      </a:r>
-                      <a:r>
-                        <a:rPr lang="ko-KR" altLang="en-US" sz="1250" dirty="0" smtClean="0">
-                          <a:solidFill>
-                            <a:schemeClr val="tx1"/>
-                          </a:solidFill>
-                          <a:effectLst/>
-                          <a:latin typeface="나눔고딕" panose="020D0604000000000000" pitchFamily="50" charset="-127"/>
-                          <a:ea typeface="나눔고딕" panose="020D0604000000000000" pitchFamily="50" charset="-127"/>
-                        </a:rPr>
-                        <a:t>대한민국 표준어 </a:t>
+                        <a:t>현대어 </a:t>
                       </a:r>
                       <a:r>
                         <a:rPr lang="en-US" altLang="ko-KR" sz="1250" dirty="0" smtClean="0">
